--- a/ppt/GIT01-Intro.pptx
+++ b/ppt/GIT01-Intro.pptx
@@ -3961,6 +3961,30 @@
                 <a:hlinkClick r:id="rId3"/>
               </a:rPr>
               <a:t>https://cyrilvincent.com/git/?locale=fr_FR</a:t>
+            </a:r>
+            <a:endParaRPr lang="fr-FR" dirty="0"/>
+          </a:p>
+          <a:p>
+            <a:pPr lvl="1"/>
+            <a:r>
+              <a:rPr lang="fr-FR" dirty="0"/>
+              <a:t>Remettre le TP </a:t>
+            </a:r>
+            <a:r>
+              <a:rPr lang="fr-FR"/>
+              <a:t>à zéro : reset </a:t>
+            </a:r>
+            <a:r>
+              <a:rPr lang="fr-FR" dirty="0" err="1"/>
+              <a:t>solved</a:t>
+            </a:r>
+            <a:r>
+              <a:rPr lang="fr-FR" dirty="0"/>
+              <a:t> --</a:t>
+            </a:r>
+            <a:r>
+              <a:rPr lang="fr-FR" dirty="0" err="1"/>
+              <a:t>confirm</a:t>
             </a:r>
             <a:endParaRPr lang="fr-FR" dirty="0"/>
           </a:p>
